--- a/2. Payload Software Development/2.1. Getting Started with STM32 Microcontroller Programming/21.0_BinarX_IntroToSTM32.pptx
+++ b/2. Payload Software Development/2.1. Getting Started with STM32 Microcontroller Programming/21.0_BinarX_IntroToSTM32.pptx
@@ -242,7 +242,7 @@
           <a:p>
             <a:fld id="{D691FBC3-949E-439B-A3BB-0426F257A304}" type="datetimeFigureOut">
               <a:rPr lang="en-AU" smtClean="0"/>
-              <a:t>6/01/2025</a:t>
+              <a:t>13/01/2025</a:t>
             </a:fld>
             <a:endParaRPr lang="en-AU"/>
           </a:p>
@@ -419,7 +419,7 @@
           <a:p>
             <a:fld id="{E4B3F63C-96D2-45E6-818D-5F937B4F0F52}" type="datetimeFigureOut">
               <a:rPr lang="en-AU" smtClean="0"/>
-              <a:t>6/01/2025</a:t>
+              <a:t>13/01/2025</a:t>
             </a:fld>
             <a:endParaRPr lang="en-AU"/>
           </a:p>
@@ -1672,7 +1672,7 @@
               <a:buNone/>
             </a:pPr>
             <a:r>
-              <a:rPr lang="en-AU">
+              <a:rPr lang="en-AU" dirty="0">
                 <a:latin typeface="Stellar" panose="02000506040000020004" pitchFamily="50" charset="0"/>
               </a:rPr>
               <a:t>What does an Analog pin do?</a:t>
@@ -1684,15 +1684,15 @@
               <a:buChar char="•"/>
             </a:pPr>
             <a:r>
-              <a:rPr lang="en-GB"/>
+              <a:rPr lang="en-GB" dirty="0"/>
               <a:t>It translates continuous </a:t>
             </a:r>
             <a:r>
-              <a:rPr lang="en-GB" err="1"/>
+              <a:rPr lang="en-GB" dirty="0" err="1"/>
               <a:t>analog</a:t>
             </a:r>
             <a:r>
-              <a:rPr lang="en-GB"/>
+              <a:rPr lang="en-GB" dirty="0"/>
               <a:t> signals into discrete digital values that microcontrollers  can understand and process.</a:t>
             </a:r>
           </a:p>
@@ -1702,7 +1702,7 @@
               <a:buChar char="•"/>
             </a:pPr>
             <a:r>
-              <a:rPr lang="en-GB">
+              <a:rPr lang="en-GB" dirty="0">
                 <a:latin typeface="Stellar" panose="02000506040000020004" pitchFamily="50" charset="0"/>
               </a:rPr>
               <a:t>Therefore, it will round down to the nearest bit value that corresponds to the continuous voltage input</a:t>
@@ -1714,7 +1714,7 @@
               <a:buChar char="•"/>
             </a:pPr>
             <a:r>
-              <a:rPr lang="en-GB">
+              <a:rPr lang="en-GB" dirty="0">
                 <a:latin typeface="Stellar" panose="02000506040000020004" pitchFamily="50" charset="0"/>
               </a:rPr>
               <a:t>These pins convert this by utilising an ADC (Analog to Digital Converter)</a:t>
@@ -1725,7 +1725,7 @@
               <a:buFont typeface="Arial" panose="020B0604020202020204" pitchFamily="34" charset="0"/>
               <a:buChar char="•"/>
             </a:pPr>
-            <a:endParaRPr lang="en-GB">
+            <a:endParaRPr lang="en-GB" dirty="0">
               <a:latin typeface="Stellar" panose="02000506040000020004" pitchFamily="50" charset="0"/>
             </a:endParaRPr>
           </a:p>
@@ -1735,7 +1735,7 @@
               <a:buNone/>
             </a:pPr>
             <a:r>
-              <a:rPr lang="en-GB">
+              <a:rPr lang="en-GB" dirty="0">
                 <a:latin typeface="Stellar" panose="02000506040000020004" pitchFamily="50" charset="0"/>
               </a:rPr>
               <a:t>What are ADC characteristics?</a:t>
@@ -1747,7 +1747,7 @@
               <a:buChar char="•"/>
             </a:pPr>
             <a:r>
-              <a:rPr lang="en-GB">
+              <a:rPr lang="en-GB" dirty="0">
                 <a:latin typeface="Stellar" panose="02000506040000020004" pitchFamily="50" charset="0"/>
               </a:rPr>
               <a:t>ADC’s are bounded by two main things</a:t>
@@ -1759,7 +1759,7 @@
               <a:buChar char="•"/>
             </a:pPr>
             <a:r>
-              <a:rPr lang="en-GB">
+              <a:rPr lang="en-GB" dirty="0">
                 <a:latin typeface="Stellar" panose="02000506040000020004" pitchFamily="50" charset="0"/>
               </a:rPr>
               <a:t>Their maximum voltage (normally bound to supply voltage) 5V in the case of the Arduino Nano</a:t>
@@ -1771,7 +1771,7 @@
               <a:buChar char="•"/>
             </a:pPr>
             <a:r>
-              <a:rPr lang="en-GB">
+              <a:rPr lang="en-GB" dirty="0">
                 <a:latin typeface="Stellar" panose="02000506040000020004" pitchFamily="50" charset="0"/>
               </a:rPr>
               <a:t>Their resolution which means the number of bits they have.</a:t>
@@ -1783,7 +1783,7 @@
               <a:buChar char="•"/>
             </a:pPr>
             <a:r>
-              <a:rPr lang="en-GB">
+              <a:rPr lang="en-GB" dirty="0">
                 <a:latin typeface="Stellar" panose="02000506040000020004" pitchFamily="50" charset="0"/>
               </a:rPr>
               <a:t>This number of bits is divided evenly through the maximum voltage </a:t>
@@ -2092,14 +2092,89 @@
               <a:buNone/>
             </a:pPr>
             <a:r>
-              <a:rPr lang="en-AU">
+              <a:rPr lang="en-AU" dirty="0">
                 <a:latin typeface="Stellar" panose="02000506040000020004" pitchFamily="50" charset="0"/>
               </a:rPr>
-              <a:t>I2C and UART.</a:t>
+              <a:t>UART: </a:t>
             </a:r>
-            <a:endParaRPr lang="en-AU" dirty="0">
-              <a:latin typeface="Stellar" panose="02000506040000020004" pitchFamily="50" charset="0"/>
+            <a:r>
+              <a:rPr lang="en-AU" b="0" i="0" dirty="0">
+                <a:solidFill>
+                  <a:srgbClr val="040C28"/>
+                </a:solidFill>
+                <a:effectLst/>
+                <a:latin typeface="Google Sans"/>
+              </a:rPr>
+              <a:t>Universal Asynchronous Receiver / Transmitter</a:t>
+            </a:r>
+          </a:p>
+          <a:p>
+            <a:pPr marL="0" indent="0">
+              <a:buFont typeface="Arial" panose="020B0604020202020204" pitchFamily="34" charset="0"/>
+              <a:buNone/>
+            </a:pPr>
+            <a:r>
+              <a:rPr lang="en-AU" b="0" i="0" dirty="0">
+                <a:solidFill>
+                  <a:srgbClr val="1F1F1F"/>
+                </a:solidFill>
+                <a:effectLst/>
+                <a:latin typeface="Google Sans"/>
+              </a:rPr>
+              <a:t>UART is very simple and only uses two wires between transmitter and receiver to transmit and receive in both directions.</a:t>
+            </a:r>
+            <a:endParaRPr lang="en-AU" b="0" i="0" dirty="0">
+              <a:solidFill>
+                <a:srgbClr val="040C28"/>
+              </a:solidFill>
+              <a:effectLst/>
+              <a:latin typeface="Google Sans"/>
             </a:endParaRPr>
+          </a:p>
+          <a:p>
+            <a:pPr marL="0" indent="0">
+              <a:buFont typeface="Arial" panose="020B0604020202020204" pitchFamily="34" charset="0"/>
+              <a:buNone/>
+            </a:pPr>
+            <a:endParaRPr lang="en-AU" b="0" i="0" dirty="0">
+              <a:solidFill>
+                <a:srgbClr val="040C28"/>
+              </a:solidFill>
+              <a:effectLst/>
+              <a:latin typeface="Google Sans"/>
+            </a:endParaRPr>
+          </a:p>
+          <a:p>
+            <a:pPr marL="0" indent="0">
+              <a:buFont typeface="Arial" panose="020B0604020202020204" pitchFamily="34" charset="0"/>
+              <a:buNone/>
+            </a:pPr>
+            <a:r>
+              <a:rPr lang="en-AU" b="0" i="0" dirty="0">
+                <a:solidFill>
+                  <a:srgbClr val="040C28"/>
+                </a:solidFill>
+                <a:effectLst/>
+                <a:latin typeface="Google Sans"/>
+              </a:rPr>
+              <a:t>I2C: Inter-Integrated Circuit</a:t>
+            </a:r>
+          </a:p>
+          <a:p>
+            <a:pPr marL="0" indent="0">
+              <a:buFont typeface="Arial" panose="020B0604020202020204" pitchFamily="34" charset="0"/>
+              <a:buNone/>
+            </a:pPr>
+            <a:r>
+              <a:rPr lang="en-AU" b="0" i="0" dirty="0">
+                <a:solidFill>
+                  <a:srgbClr val="040C28"/>
+                </a:solidFill>
+                <a:effectLst/>
+                <a:latin typeface="Google Sans"/>
+              </a:rPr>
+              <a:t>I2C is a protocol that the controller sends a message to an exact peripheral address. The controller acts like a mail man sending messages to specific addresses where the peripheral can only respond once the controller initiates communication.</a:t>
+            </a:r>
           </a:p>
         </p:txBody>
       </p:sp>
@@ -2664,7 +2739,7 @@
           <a:p>
             <a:fld id="{969B18AD-F44F-484C-A3D2-C5EF8D94DE24}" type="datetime1">
               <a:rPr lang="en-US" smtClean="0"/>
-              <a:t>1/6/2025</a:t>
+              <a:t>1/13/2025</a:t>
             </a:fld>
             <a:endParaRPr lang="en-US"/>
           </a:p>
@@ -2832,7 +2907,7 @@
           <a:p>
             <a:fld id="{AC6897D3-3687-4972-B93C-3CFDF36BF9D2}" type="datetime1">
               <a:rPr lang="en-US" smtClean="0"/>
-              <a:t>1/6/2025</a:t>
+              <a:t>1/13/2025</a:t>
             </a:fld>
             <a:endParaRPr lang="en-US"/>
           </a:p>
@@ -3010,7 +3085,7 @@
           <a:p>
             <a:fld id="{AD5CAA46-D730-4A32-BF6D-5880ED7B6ED6}" type="datetime1">
               <a:rPr lang="en-US" smtClean="0"/>
-              <a:t>1/6/2025</a:t>
+              <a:t>1/13/2025</a:t>
             </a:fld>
             <a:endParaRPr lang="en-US"/>
           </a:p>
@@ -3178,7 +3253,7 @@
           <a:p>
             <a:fld id="{C4B0D2D1-B868-4347-B796-3B5A5EB129FF}" type="datetime1">
               <a:rPr lang="en-US" smtClean="0"/>
-              <a:t>1/6/2025</a:t>
+              <a:t>1/13/2025</a:t>
             </a:fld>
             <a:endParaRPr lang="en-US"/>
           </a:p>
@@ -3439,7 +3514,7 @@
           <a:p>
             <a:fld id="{AFE03C2D-6745-47B6-A29E-FE249DBCE96C}" type="datetime1">
               <a:rPr lang="en-US" smtClean="0"/>
-              <a:t>1/6/2025</a:t>
+              <a:t>1/13/2025</a:t>
             </a:fld>
             <a:endParaRPr lang="en-US"/>
           </a:p>
@@ -3668,7 +3743,7 @@
           <a:p>
             <a:fld id="{0F5244C2-3623-4BFB-B9A0-94542302335A}" type="datetime1">
               <a:rPr lang="en-US" smtClean="0"/>
-              <a:t>1/6/2025</a:t>
+              <a:t>1/13/2025</a:t>
             </a:fld>
             <a:endParaRPr lang="en-US"/>
           </a:p>
@@ -4032,7 +4107,7 @@
           <a:p>
             <a:fld id="{B9B03B92-D160-4899-8AEB-23E2AB3EBB07}" type="datetime1">
               <a:rPr lang="en-US" smtClean="0"/>
-              <a:t>1/6/2025</a:t>
+              <a:t>1/13/2025</a:t>
             </a:fld>
             <a:endParaRPr lang="en-US"/>
           </a:p>
@@ -4149,7 +4224,7 @@
           <a:p>
             <a:fld id="{832A71B3-2886-4196-8AEE-F25AFF1977D5}" type="datetime1">
               <a:rPr lang="en-US" smtClean="0"/>
-              <a:t>1/6/2025</a:t>
+              <a:t>1/13/2025</a:t>
             </a:fld>
             <a:endParaRPr lang="en-US"/>
           </a:p>
@@ -10414,7 +10489,7 @@
           <a:p>
             <a:fld id="{E237A954-8CB7-411C-B9F4-2C7BBA3637E7}" type="datetime1">
               <a:rPr lang="en-US" smtClean="0"/>
-              <a:t>1/6/2025</a:t>
+              <a:t>1/13/2025</a:t>
             </a:fld>
             <a:endParaRPr lang="en-US"/>
           </a:p>
@@ -10689,7 +10764,7 @@
           <a:p>
             <a:fld id="{DB11446A-20B5-4264-B561-E7D9C581BFC4}" type="datetime1">
               <a:rPr lang="en-US" smtClean="0"/>
-              <a:t>1/6/2025</a:t>
+              <a:t>1/13/2025</a:t>
             </a:fld>
             <a:endParaRPr lang="en-US"/>
           </a:p>
@@ -10944,7 +11019,7 @@
           <a:p>
             <a:fld id="{8262A92C-3DD6-4D28-BA90-423F0C949F16}" type="datetime1">
               <a:rPr lang="en-US" smtClean="0"/>
-              <a:t>1/6/2025</a:t>
+              <a:t>1/13/2025</a:t>
             </a:fld>
             <a:endParaRPr lang="en-US"/>
           </a:p>
@@ -11157,7 +11232,7 @@
           <a:p>
             <a:fld id="{8262A92C-3DD6-4D28-BA90-423F0C949F16}" type="datetime1">
               <a:rPr lang="en-US" smtClean="0"/>
-              <a:t>1/6/2025</a:t>
+              <a:t>1/13/2025</a:t>
             </a:fld>
             <a:endParaRPr lang="en-US"/>
           </a:p>
@@ -27209,15 +27284,6 @@
 </file>
 
 <file path=customXml/item2.xml><?xml version="1.0" encoding="utf-8"?>
-<?mso-contentType ?>
-<FormTemplates xmlns="http://schemas.microsoft.com/sharepoint/v3/contenttype/forms">
-  <Display>DocumentLibraryForm</Display>
-  <Edit>DocumentLibraryForm</Edit>
-  <New>DocumentLibraryForm</New>
-</FormTemplates>
-</file>
-
-<file path=customXml/item3.xml><?xml version="1.0" encoding="utf-8"?>
 <p:properties xmlns:p="http://schemas.microsoft.com/office/2006/metadata/properties" xmlns:xsi="http://www.w3.org/2001/XMLSchema-instance" xmlns:pc="http://schemas.microsoft.com/office/infopath/2007/PartnerControls">
   <documentManagement>
     <TaxCatchAll xmlns="476f6f70-09c2-4568-950b-371e82918992" xsi:nil="true"/>
@@ -27226,6 +27292,15 @@
     </lcf76f155ced4ddcb4097134ff3c332f>
   </documentManagement>
 </p:properties>
+</file>
+
+<file path=customXml/item3.xml><?xml version="1.0" encoding="utf-8"?>
+<?mso-contentType ?>
+<FormTemplates xmlns="http://schemas.microsoft.com/sharepoint/v3/contenttype/forms">
+  <Display>DocumentLibraryForm</Display>
+  <Edit>DocumentLibraryForm</Edit>
+  <New>DocumentLibraryForm</New>
+</FormTemplates>
 </file>
 
 <file path=customXml/itemProps1.xml><?xml version="1.0" encoding="utf-8"?>
@@ -27248,14 +27323,6 @@
 </file>
 
 <file path=customXml/itemProps2.xml><?xml version="1.0" encoding="utf-8"?>
-<ds:datastoreItem xmlns:ds="http://schemas.openxmlformats.org/officeDocument/2006/customXml" ds:itemID="{8EACA74D-F34A-4C07-B495-CAD8F9F99DF5}">
-  <ds:schemaRefs>
-    <ds:schemaRef ds:uri="http://schemas.microsoft.com/sharepoint/v3/contenttype/forms"/>
-  </ds:schemaRefs>
-</ds:datastoreItem>
-</file>
-
-<file path=customXml/itemProps3.xml><?xml version="1.0" encoding="utf-8"?>
 <ds:datastoreItem xmlns:ds="http://schemas.openxmlformats.org/officeDocument/2006/customXml" ds:itemID="{DE2B8727-104A-4FBF-9C3D-8906D6FC097D}">
   <ds:schemaRefs>
     <ds:schemaRef ds:uri="http://schemas.microsoft.com/office/2006/documentManagement/types"/>
@@ -27270,4 +27337,12 @@
     <ds:schemaRef ds:uri="http://purl.org/dc/dcmitype/"/>
   </ds:schemaRefs>
 </ds:datastoreItem>
+</file>
+
+<file path=customXml/itemProps3.xml><?xml version="1.0" encoding="utf-8"?>
+<ds:datastoreItem xmlns:ds="http://schemas.openxmlformats.org/officeDocument/2006/customXml" ds:itemID="{8EACA74D-F34A-4C07-B495-CAD8F9F99DF5}">
+  <ds:schemaRefs>
+    <ds:schemaRef ds:uri="http://schemas.microsoft.com/sharepoint/v3/contenttype/forms"/>
+  </ds:schemaRefs>
+</ds:datastoreItem>
 </file>